--- a/project_presentation/W266_Project_Presentation.pptx
+++ b/project_presentation/W266_Project_Presentation.pptx
@@ -10239,8 +10239,8 @@
         </p:nvGrpSpPr>
         <p:grpSpPr>
           <a:xfrm>
-            <a:off x="658814" y="1434350"/>
-            <a:ext cx="1569420" cy="2561100"/>
+            <a:off x="658824" y="1434323"/>
+            <a:ext cx="1698121" cy="2684801"/>
             <a:chOff x="406725" y="1427225"/>
             <a:chExt cx="1462511" cy="2561100"/>
           </a:xfrm>
@@ -10357,7 +10357,7 @@
                 <a:buNone/>
               </a:pPr>
               <a:r>
-                <a:rPr lang="en" sz="900">
+                <a:rPr lang="en" sz="1000">
                   <a:solidFill>
                     <a:schemeClr val="dk1"/>
                   </a:solidFill>
@@ -10368,7 +10368,7 @@
                 </a:rPr>
                 <a:t>Looking at the sentence size in our validation and test set, we decided to cap the max_token_size to 50. This limits the generalizability of our exploration for longer sentences.</a:t>
               </a:r>
-              <a:endParaRPr sz="900">
+              <a:endParaRPr sz="1000">
                 <a:latin typeface="Georgia"/>
                 <a:ea typeface="Georgia"/>
                 <a:cs typeface="Georgia"/>
@@ -10386,10 +10386,10 @@
         </p:nvGrpSpPr>
         <p:grpSpPr>
           <a:xfrm>
-            <a:off x="2744475" y="1434350"/>
-            <a:ext cx="1569411" cy="2561100"/>
-            <a:chOff x="406723" y="1427225"/>
-            <a:chExt cx="1462502" cy="2561100"/>
+            <a:off x="2744474" y="1434350"/>
+            <a:ext cx="1698110" cy="2684700"/>
+            <a:chOff x="406725" y="1427225"/>
+            <a:chExt cx="1462501" cy="2684700"/>
           </a:xfrm>
         </p:grpSpPr>
         <p:sp>
@@ -10466,8 +10466,8 @@
           </p:nvSpPr>
           <p:spPr>
             <a:xfrm>
-              <a:off x="406723" y="1776725"/>
-              <a:ext cx="1462500" cy="2211600"/>
+              <a:off x="406726" y="1776725"/>
+              <a:ext cx="1462500" cy="2335200"/>
             </a:xfrm>
             <a:prstGeom prst="rect">
               <a:avLst/>
@@ -10504,7 +10504,7 @@
                 <a:buNone/>
               </a:pPr>
               <a:r>
-                <a:rPr lang="en" sz="900">
+                <a:rPr lang="en" sz="1000">
                   <a:solidFill>
                     <a:schemeClr val="dk1"/>
                   </a:solidFill>
@@ -10513,9 +10513,33 @@
                   <a:cs typeface="Georgia"/>
                   <a:sym typeface="Georgia"/>
                 </a:rPr>
-                <a:t>Our experiments included relatively small amount of paired data with a total of 120K sentence pairs covering 6 directions. Our results don’t showcase the steady state performance that can be achieved by the respective models with more training time and ample data</a:t>
+                <a:t>Our experiments included relatively small amount of paired data with a total of 120K sentence pairs covering 6 directions or 20K </a:t>
               </a:r>
-              <a:endParaRPr sz="900">
+              <a:r>
+                <a:rPr lang="en" sz="1000">
+                  <a:solidFill>
+                    <a:schemeClr val="dk1"/>
+                  </a:solidFill>
+                  <a:latin typeface="Georgia"/>
+                  <a:ea typeface="Georgia"/>
+                  <a:cs typeface="Georgia"/>
+                  <a:sym typeface="Georgia"/>
+                </a:rPr>
+                <a:t>sentence</a:t>
+              </a:r>
+              <a:r>
+                <a:rPr lang="en" sz="1000">
+                  <a:solidFill>
+                    <a:schemeClr val="dk1"/>
+                  </a:solidFill>
+                  <a:latin typeface="Georgia"/>
+                  <a:ea typeface="Georgia"/>
+                  <a:cs typeface="Georgia"/>
+                  <a:sym typeface="Georgia"/>
+                </a:rPr>
+                <a:t> pairs each direction. Our results don’t showcase the steady state performance that can be achieved by the respective models with more training time and ample data</a:t>
+              </a:r>
+              <a:endParaRPr sz="1000">
                 <a:latin typeface="Georgia"/>
                 <a:ea typeface="Georgia"/>
                 <a:cs typeface="Georgia"/>
@@ -10533,8 +10557,8 @@
         </p:nvGrpSpPr>
         <p:grpSpPr>
           <a:xfrm>
-            <a:off x="4830125" y="1434350"/>
-            <a:ext cx="1569411" cy="2561100"/>
+            <a:off x="4830121" y="1434406"/>
+            <a:ext cx="1698111" cy="2684801"/>
             <a:chOff x="406723" y="1427225"/>
             <a:chExt cx="1462502" cy="2561100"/>
           </a:xfrm>
@@ -10651,7 +10675,7 @@
                 <a:buNone/>
               </a:pPr>
               <a:r>
-                <a:rPr lang="en" sz="900">
+                <a:rPr lang="en" sz="1000">
                   <a:solidFill>
                     <a:schemeClr val="dk1"/>
                   </a:solidFill>
@@ -10662,7 +10686,7 @@
                 </a:rPr>
                 <a:t>We explored the T5 model as the only target architecture for understanding the efficiency of transfer learning across different model types. It is possible that our results are dependent on the choice of base model architecture and hence less generalizable.</a:t>
               </a:r>
-              <a:endParaRPr sz="900">
+              <a:endParaRPr sz="1000">
                 <a:latin typeface="Georgia"/>
                 <a:ea typeface="Georgia"/>
                 <a:cs typeface="Georgia"/>
@@ -10680,10 +10704,10 @@
         </p:nvGrpSpPr>
         <p:grpSpPr>
           <a:xfrm>
-            <a:off x="6915775" y="1434350"/>
-            <a:ext cx="1569411" cy="2561100"/>
-            <a:chOff x="406723" y="1427225"/>
-            <a:chExt cx="1462502" cy="2561100"/>
+            <a:off x="6915774" y="1434350"/>
+            <a:ext cx="1698110" cy="2684700"/>
+            <a:chOff x="406725" y="1427225"/>
+            <a:chExt cx="1462501" cy="2684700"/>
           </a:xfrm>
         </p:grpSpPr>
         <p:sp>
@@ -10772,8 +10796,8 @@
           </p:nvSpPr>
           <p:spPr>
             <a:xfrm>
-              <a:off x="406723" y="1776725"/>
-              <a:ext cx="1462500" cy="2211600"/>
+              <a:off x="406726" y="1776725"/>
+              <a:ext cx="1462500" cy="2335200"/>
             </a:xfrm>
             <a:prstGeom prst="rect">
               <a:avLst/>
@@ -10810,7 +10834,7 @@
                 <a:buNone/>
               </a:pPr>
               <a:r>
-                <a:rPr lang="en" sz="900">
+                <a:rPr lang="en" sz="1000">
                   <a:solidFill>
                     <a:schemeClr val="dk1"/>
                   </a:solidFill>
@@ -10819,9 +10843,9 @@
                   <a:cs typeface="Georgia"/>
                   <a:sym typeface="Georgia"/>
                 </a:rPr>
-                <a:t>Finally, all of our experiments were focused on the single downstream task of translation. More work needs to be done in order to ensure that our insights are generalizable across different downstream tasks such as Summarization, Classification, and Question and Answering.</a:t>
+                <a:t>All of our experiments were focused on the single downstream task of translation. More work needs to be done in order to ensure that our insights are generalizable across different downstream tasks such as Summarization, Classification, and Question and Answering.</a:t>
               </a:r>
-              <a:endParaRPr sz="1300">
+              <a:endParaRPr sz="1000">
                 <a:latin typeface="Georgia"/>
                 <a:ea typeface="Georgia"/>
                 <a:cs typeface="Georgia"/>
@@ -10945,7 +10969,7 @@
         <p:spPr>
           <a:xfrm>
             <a:off x="198300" y="1264175"/>
-            <a:ext cx="8520600" cy="2630400"/>
+            <a:ext cx="8520600" cy="2878200"/>
           </a:xfrm>
           <a:prstGeom prst="rect">
             <a:avLst/>
@@ -10983,7 +11007,55 @@
                 <a:cs typeface="Georgia"/>
                 <a:sym typeface="Georgia"/>
               </a:rPr>
-              <a:t>We demonstrated that pre-trained encoder-decoder weights from T5 are able to generalize over untrained low-resource languages and to improve performance compared to random initialization of weights even with limited training data. Augmenting the training with pre-learnt multilingual embeddings from M2M-100 resulted in an additional boost in performance at larger training set sizes. </a:t>
+              <a:t>We demonstrated that pre-trained encoder-decoder weights from T5 are able to </a:t>
+            </a:r>
+            <a:r>
+              <a:rPr b="1" lang="en">
+                <a:solidFill>
+                  <a:schemeClr val="dk1"/>
+                </a:solidFill>
+                <a:latin typeface="Georgia"/>
+                <a:ea typeface="Georgia"/>
+                <a:cs typeface="Georgia"/>
+                <a:sym typeface="Georgia"/>
+              </a:rPr>
+              <a:t>generalize</a:t>
+            </a:r>
+            <a:r>
+              <a:rPr lang="en">
+                <a:solidFill>
+                  <a:schemeClr val="dk1"/>
+                </a:solidFill>
+                <a:latin typeface="Georgia"/>
+                <a:ea typeface="Georgia"/>
+                <a:cs typeface="Georgia"/>
+                <a:sym typeface="Georgia"/>
+              </a:rPr>
+              <a:t> over untrained low-resource languages and attain </a:t>
+            </a:r>
+            <a:r>
+              <a:rPr b="1" lang="en">
+                <a:solidFill>
+                  <a:schemeClr val="dk1"/>
+                </a:solidFill>
+                <a:latin typeface="Georgia"/>
+                <a:ea typeface="Georgia"/>
+                <a:cs typeface="Georgia"/>
+                <a:sym typeface="Georgia"/>
+              </a:rPr>
+              <a:t>improved performance</a:t>
+            </a:r>
+            <a:r>
+              <a:rPr lang="en">
+                <a:solidFill>
+                  <a:schemeClr val="dk1"/>
+                </a:solidFill>
+                <a:latin typeface="Georgia"/>
+                <a:ea typeface="Georgia"/>
+                <a:cs typeface="Georgia"/>
+                <a:sym typeface="Georgia"/>
+              </a:rPr>
+              <a:t> compared to random initialization of weights even with limited training data. Augmenting the training with pre-learnt multilingual embeddings from M2M-100 resulted in an additional boost in performance at larger training set sizes. </a:t>
             </a:r>
             <a:endParaRPr>
               <a:solidFill>
@@ -11044,7 +11116,31 @@
                 <a:cs typeface="Georgia"/>
                 <a:sym typeface="Georgia"/>
               </a:rPr>
-              <a:t>Multilingual embeddings significantly improved performance (+53% avg. BLEU score) on the low resource language pair (et- mk). With as little as 20K sentence pairs, the model is able to extract nuances of the languages. </a:t>
+              <a:t>Multilingual embeddings</a:t>
+            </a:r>
+            <a:r>
+              <a:rPr b="1" lang="en">
+                <a:solidFill>
+                  <a:schemeClr val="dk1"/>
+                </a:solidFill>
+                <a:latin typeface="Georgia"/>
+                <a:ea typeface="Georgia"/>
+                <a:cs typeface="Georgia"/>
+                <a:sym typeface="Georgia"/>
+              </a:rPr>
+              <a:t> significantly improve performance</a:t>
+            </a:r>
+            <a:r>
+              <a:rPr lang="en">
+                <a:solidFill>
+                  <a:schemeClr val="dk1"/>
+                </a:solidFill>
+                <a:latin typeface="Georgia"/>
+                <a:ea typeface="Georgia"/>
+                <a:cs typeface="Georgia"/>
+                <a:sym typeface="Georgia"/>
+              </a:rPr>
+              <a:t> (+53% avg. BLEU score) on the low resource language pair (et-mk). With as little as 20K sentence pairs, the model is able to extract nuances of the languages. </a:t>
             </a:r>
             <a:endParaRPr>
               <a:solidFill>
@@ -12331,7 +12427,7 @@
                 <a:buNone/>
               </a:pPr>
               <a:r>
-                <a:rPr lang="en" sz="1200">
+                <a:rPr b="1" lang="en" sz="1100">
                   <a:solidFill>
                     <a:schemeClr val="lt1"/>
                   </a:solidFill>
@@ -12342,7 +12438,7 @@
                 </a:rPr>
                 <a:t>Precursor</a:t>
               </a:r>
-              <a:endParaRPr sz="1200">
+              <a:endParaRPr b="1" sz="1100">
                 <a:solidFill>
                   <a:schemeClr val="lt1"/>
                 </a:solidFill>
@@ -12460,7 +12556,7 @@
                   <a:cs typeface="Georgia"/>
                   <a:sym typeface="Georgia"/>
                 </a:rPr>
-                <a:t> which brought gains of &gt; 10 BLEU</a:t>
+                <a:t> bringing gains of &gt; 10 BLEU</a:t>
               </a:r>
               <a:endParaRPr sz="1200">
                 <a:latin typeface="Georgia"/>
@@ -12514,7 +12610,7 @@
                 <a:buNone/>
               </a:pPr>
               <a:r>
-                <a:rPr lang="en" sz="1200">
+                <a:rPr b="1" lang="en" sz="1100">
                   <a:solidFill>
                     <a:schemeClr val="lt1"/>
                   </a:solidFill>
@@ -12525,7 +12621,7 @@
                 </a:rPr>
                 <a:t>Key Problem</a:t>
               </a:r>
-              <a:endParaRPr sz="1200">
+              <a:endParaRPr b="1" sz="1100">
                 <a:solidFill>
                   <a:schemeClr val="lt1"/>
                 </a:solidFill>
@@ -12679,7 +12775,7 @@
                   <a:cs typeface="Georgia"/>
                   <a:sym typeface="Georgia"/>
                 </a:rPr>
-                <a:t> which can be utilized for many different tasks. </a:t>
+                <a:t> which is trained on many different tasks. </a:t>
               </a:r>
               <a:endParaRPr sz="1200">
                 <a:latin typeface="Georgia"/>
@@ -12733,7 +12829,7 @@
                 <a:buNone/>
               </a:pPr>
               <a:r>
-                <a:rPr lang="en" sz="1200">
+                <a:rPr b="1" lang="en" sz="1100">
                   <a:solidFill>
                     <a:schemeClr val="lt1"/>
                   </a:solidFill>
@@ -12744,7 +12840,7 @@
                 </a:rPr>
                 <a:t>Motivation</a:t>
               </a:r>
-              <a:endParaRPr sz="1200">
+              <a:endParaRPr b="1" sz="1100">
                 <a:solidFill>
                   <a:schemeClr val="lt1"/>
                 </a:solidFill>
@@ -12826,7 +12922,7 @@
                   <a:cs typeface="Georgia"/>
                   <a:sym typeface="Georgia"/>
                 </a:rPr>
-                <a:t>We explored the possibility of expanding the translation </a:t>
+                <a:t>Can we expand translation </a:t>
               </a:r>
               <a:r>
                 <a:rPr lang="en" sz="1200">
@@ -12874,7 +12970,7 @@
                   <a:cs typeface="Georgia"/>
                   <a:sym typeface="Georgia"/>
                 </a:rPr>
-                <a:t>as the form of transfer learning. </a:t>
+                <a:t>as the form of transfer learning?</a:t>
               </a:r>
               <a:endParaRPr sz="1200">
                 <a:latin typeface="Georgia"/>
@@ -12928,7 +13024,7 @@
                 <a:buNone/>
               </a:pPr>
               <a:r>
-                <a:rPr lang="en" sz="1200">
+                <a:rPr b="1" lang="en" sz="1100">
                   <a:solidFill>
                     <a:schemeClr val="lt1"/>
                   </a:solidFill>
@@ -12939,7 +13035,7 @@
                 </a:rPr>
                 <a:t>The Question</a:t>
               </a:r>
-              <a:endParaRPr sz="1200">
+              <a:endParaRPr b="1" sz="1100">
                 <a:solidFill>
                   <a:schemeClr val="lt1"/>
                 </a:solidFill>
@@ -13494,7 +13590,7 @@
                 <a:cs typeface="Georgia"/>
                 <a:sym typeface="Georgia"/>
               </a:rPr>
-              <a:t>We decided to asses the transfer learning potential between </a:t>
+              <a:t>We decided to assess the transfer learning potential between </a:t>
             </a:r>
             <a:r>
               <a:rPr b="1" lang="en" sz="1200">
@@ -14068,46 +14164,6 @@
           <p:cNvPr id="114" name="Google Shape;114;p19"/>
           <p:cNvSpPr txBox="1"/>
           <p:nvPr>
-            <p:ph type="title"/>
-          </p:nvPr>
-        </p:nvSpPr>
-        <p:spPr>
-          <a:xfrm>
-            <a:off x="311700" y="445025"/>
-            <a:ext cx="8520600" cy="554100"/>
-          </a:xfrm>
-          <a:prstGeom prst="rect">
-            <a:avLst/>
-          </a:prstGeom>
-        </p:spPr>
-        <p:txBody>
-          <a:bodyPr anchorCtr="0" anchor="t" bIns="91425" lIns="91425" spcFirstLastPara="1" rIns="91425" wrap="square" tIns="91425">
-            <a:noAutofit/>
-          </a:bodyPr>
-          <a:lstStyle/>
-          <a:p>
-            <a:pPr indent="0" lvl="0" marL="0" rtl="0" algn="l">
-              <a:spcBef>
-                <a:spcPts val="0"/>
-              </a:spcBef>
-              <a:spcAft>
-                <a:spcPts val="0"/>
-              </a:spcAft>
-              <a:buNone/>
-            </a:pPr>
-            <a:r>
-              <a:rPr lang="en"/>
-              <a:t>Experiment Design &amp; Data</a:t>
-            </a:r>
-            <a:endParaRPr/>
-          </a:p>
-        </p:txBody>
-      </p:sp>
-      <p:sp>
-        <p:nvSpPr>
-          <p:cNvPr id="115" name="Google Shape;115;p19"/>
-          <p:cNvSpPr txBox="1"/>
-          <p:nvPr>
             <p:ph idx="1" type="body"/>
           </p:nvPr>
         </p:nvSpPr>
@@ -14161,7 +14217,10 @@
             </a:endParaRPr>
           </a:p>
           <a:p>
-            <a:pPr indent="-292100" lvl="0" marL="457200" rtl="0" algn="l">
+            <a:pPr indent="-298450" lvl="0" marL="457200" rtl="0" algn="l">
+              <a:lnSpc>
+                <a:spcPct val="115000"/>
+              </a:lnSpc>
               <a:spcBef>
                 <a:spcPts val="1600"/>
               </a:spcBef>
@@ -14171,12 +14230,12 @@
               <a:buClr>
                 <a:schemeClr val="dk1"/>
               </a:buClr>
-              <a:buSzPts val="1000"/>
+              <a:buSzPts val="1100"/>
               <a:buFont typeface="Georgia"/>
               <a:buAutoNum type="arabicPeriod"/>
             </a:pPr>
             <a:r>
-              <a:rPr b="1" lang="en" sz="1000">
+              <a:rPr b="1" lang="en" sz="1100">
                 <a:solidFill>
                   <a:schemeClr val="dk1"/>
                 </a:solidFill>
@@ -14188,7 +14247,7 @@
               <a:t>Random Embeddings and Random Weights</a:t>
             </a:r>
             <a:r>
-              <a:rPr lang="en" sz="1000">
+              <a:rPr lang="en" sz="1100">
                 <a:solidFill>
                   <a:schemeClr val="dk1"/>
                 </a:solidFill>
@@ -14200,7 +14259,7 @@
               <a:t> (</a:t>
             </a:r>
             <a:r>
-              <a:rPr b="1" lang="en" sz="1000">
+              <a:rPr b="1" lang="en" sz="1100">
                 <a:solidFill>
                   <a:schemeClr val="dk1"/>
                 </a:solidFill>
@@ -14212,7 +14271,7 @@
               <a:t>RE-RW</a:t>
             </a:r>
             <a:r>
-              <a:rPr lang="en" sz="1000">
+              <a:rPr lang="en" sz="1100">
                 <a:solidFill>
                   <a:schemeClr val="dk1"/>
                 </a:solidFill>
@@ -14221,10 +14280,10 @@
                 <a:cs typeface="Georgia"/>
                 <a:sym typeface="Georgia"/>
               </a:rPr>
-              <a:t>): We randomly initialize the T5 weights and embedding layer and train the architecture on the 3 language pairs in all directions. This was our </a:t>
-            </a:r>
-            <a:r>
-              <a:rPr b="1" lang="en" sz="1000">
+              <a:t>): We randomly initialize the T5 weights and embedding layer. This was our </a:t>
+            </a:r>
+            <a:r>
+              <a:rPr b="1" lang="en" sz="1100">
                 <a:solidFill>
                   <a:schemeClr val="dk1"/>
                 </a:solidFill>
@@ -14236,7 +14295,7 @@
               <a:t>baseline</a:t>
             </a:r>
             <a:r>
-              <a:rPr lang="en" sz="1000">
+              <a:rPr lang="en" sz="1100">
                 <a:solidFill>
                   <a:schemeClr val="dk1"/>
                 </a:solidFill>
@@ -14247,7 +14306,7 @@
               </a:rPr>
               <a:t>.</a:t>
             </a:r>
-            <a:endParaRPr sz="1000">
+            <a:endParaRPr sz="1100">
               <a:solidFill>
                 <a:schemeClr val="dk1"/>
               </a:solidFill>
@@ -14258,9 +14317,12 @@
             </a:endParaRPr>
           </a:p>
           <a:p>
-            <a:pPr indent="-292100" lvl="0" marL="457200" rtl="0" algn="l">
-              <a:spcBef>
-                <a:spcPts val="0"/>
+            <a:pPr indent="-298450" lvl="0" marL="457200" rtl="0" algn="l">
+              <a:lnSpc>
+                <a:spcPct val="115000"/>
+              </a:lnSpc>
+              <a:spcBef>
+                <a:spcPts val="500"/>
               </a:spcBef>
               <a:spcAft>
                 <a:spcPts val="0"/>
@@ -14268,12 +14330,12 @@
               <a:buClr>
                 <a:schemeClr val="dk1"/>
               </a:buClr>
-              <a:buSzPts val="1000"/>
+              <a:buSzPts val="1100"/>
               <a:buFont typeface="Georgia"/>
               <a:buAutoNum type="arabicPeriod"/>
             </a:pPr>
             <a:r>
-              <a:rPr b="1" lang="en" sz="1000">
+              <a:rPr b="1" lang="en" sz="1100">
                 <a:solidFill>
                   <a:schemeClr val="dk1"/>
                 </a:solidFill>
@@ -14285,7 +14347,7 @@
               <a:t>Random Embeddings and T5 Weights</a:t>
             </a:r>
             <a:r>
-              <a:rPr lang="en" sz="1000">
+              <a:rPr lang="en" sz="1100">
                 <a:solidFill>
                   <a:schemeClr val="dk1"/>
                 </a:solidFill>
@@ -14297,7 +14359,7 @@
               <a:t> (</a:t>
             </a:r>
             <a:r>
-              <a:rPr b="1" lang="en" sz="1000">
+              <a:rPr b="1" lang="en" sz="1100">
                 <a:solidFill>
                   <a:schemeClr val="dk1"/>
                 </a:solidFill>
@@ -14309,7 +14371,7 @@
               <a:t>RE-TW</a:t>
             </a:r>
             <a:r>
-              <a:rPr lang="en" sz="1000">
+              <a:rPr lang="en" sz="1100">
                 <a:solidFill>
                   <a:schemeClr val="dk1"/>
                 </a:solidFill>
@@ -14318,9 +14380,9 @@
                 <a:cs typeface="Georgia"/>
                 <a:sym typeface="Georgia"/>
               </a:rPr>
-              <a:t>): We randomly initialize the embedding layer but maintain the T5 weights and train the T5 architecture on the 3 language pairs in all directions.</a:t>
-            </a:r>
-            <a:endParaRPr sz="1000">
+              <a:t>): We randomly initialize the embedding layer but maintain the T5 weights.</a:t>
+            </a:r>
+            <a:endParaRPr sz="1100">
               <a:solidFill>
                 <a:schemeClr val="dk1"/>
               </a:solidFill>
@@ -14331,9 +14393,12 @@
             </a:endParaRPr>
           </a:p>
           <a:p>
-            <a:pPr indent="-292100" lvl="0" marL="457200" rtl="0" algn="l">
-              <a:spcBef>
-                <a:spcPts val="0"/>
+            <a:pPr indent="-298450" lvl="0" marL="457200" rtl="0" algn="l">
+              <a:lnSpc>
+                <a:spcPct val="115000"/>
+              </a:lnSpc>
+              <a:spcBef>
+                <a:spcPts val="500"/>
               </a:spcBef>
               <a:spcAft>
                 <a:spcPts val="0"/>
@@ -14341,12 +14406,12 @@
               <a:buClr>
                 <a:schemeClr val="dk1"/>
               </a:buClr>
-              <a:buSzPts val="1000"/>
+              <a:buSzPts val="1100"/>
               <a:buFont typeface="Georgia"/>
               <a:buAutoNum type="arabicPeriod"/>
             </a:pPr>
             <a:r>
-              <a:rPr b="1" lang="en" sz="1000">
+              <a:rPr b="1" lang="en" sz="1100">
                 <a:solidFill>
                   <a:schemeClr val="dk1"/>
                 </a:solidFill>
@@ -14358,7 +14423,7 @@
               <a:t>M2M-100 Embeddings and Random Weights</a:t>
             </a:r>
             <a:r>
-              <a:rPr lang="en" sz="1000">
+              <a:rPr lang="en" sz="1100">
                 <a:solidFill>
                   <a:schemeClr val="dk1"/>
                 </a:solidFill>
@@ -14370,7 +14435,7 @@
               <a:t> (</a:t>
             </a:r>
             <a:r>
-              <a:rPr b="1" lang="en" sz="1000">
+              <a:rPr b="1" lang="en" sz="1100">
                 <a:solidFill>
                   <a:schemeClr val="dk1"/>
                 </a:solidFill>
@@ -14382,7 +14447,7 @@
               <a:t>ME-RW</a:t>
             </a:r>
             <a:r>
-              <a:rPr lang="en" sz="1000">
+              <a:rPr lang="en" sz="1100">
                 <a:solidFill>
                   <a:schemeClr val="dk1"/>
                 </a:solidFill>
@@ -14391,9 +14456,9 @@
                 <a:cs typeface="Georgia"/>
                 <a:sym typeface="Georgia"/>
               </a:rPr>
-              <a:t>): We randomly initialize the T5 weights but maintain the M2M-100 embedding layer and train the T5 architecture on the 3 language pairs in all directions.</a:t>
-            </a:r>
-            <a:endParaRPr sz="1000">
+              <a:t>): We randomly initialize the T5 weights but maintain the M2M-100 embedding layer.</a:t>
+            </a:r>
+            <a:endParaRPr sz="1100">
               <a:solidFill>
                 <a:schemeClr val="dk1"/>
               </a:solidFill>
@@ -14404,22 +14469,25 @@
             </a:endParaRPr>
           </a:p>
           <a:p>
-            <a:pPr indent="-292100" lvl="0" marL="457200" rtl="0" algn="l">
-              <a:spcBef>
-                <a:spcPts val="0"/>
-              </a:spcBef>
-              <a:spcAft>
-                <a:spcPts val="0"/>
+            <a:pPr indent="-298450" lvl="0" marL="457200" rtl="0" algn="l">
+              <a:lnSpc>
+                <a:spcPct val="115000"/>
+              </a:lnSpc>
+              <a:spcBef>
+                <a:spcPts val="500"/>
+              </a:spcBef>
+              <a:spcAft>
+                <a:spcPts val="500"/>
               </a:spcAft>
               <a:buClr>
                 <a:schemeClr val="dk1"/>
               </a:buClr>
-              <a:buSzPts val="1000"/>
+              <a:buSzPts val="1100"/>
               <a:buFont typeface="Georgia"/>
               <a:buAutoNum type="arabicPeriod"/>
             </a:pPr>
             <a:r>
-              <a:rPr b="1" lang="en" sz="1000">
+              <a:rPr b="1" lang="en" sz="1100">
                 <a:solidFill>
                   <a:schemeClr val="dk1"/>
                 </a:solidFill>
@@ -14431,7 +14499,7 @@
               <a:t>M2M-100 Embeddings and T5 Weights</a:t>
             </a:r>
             <a:r>
-              <a:rPr lang="en" sz="1000">
+              <a:rPr lang="en" sz="1100">
                 <a:solidFill>
                   <a:schemeClr val="dk1"/>
                 </a:solidFill>
@@ -14443,7 +14511,7 @@
               <a:t> (</a:t>
             </a:r>
             <a:r>
-              <a:rPr b="1" lang="en" sz="1000">
+              <a:rPr b="1" lang="en" sz="1100">
                 <a:solidFill>
                   <a:schemeClr val="dk1"/>
                 </a:solidFill>
@@ -14455,7 +14523,7 @@
               <a:t>ME-TW</a:t>
             </a:r>
             <a:r>
-              <a:rPr lang="en" sz="1000">
+              <a:rPr lang="en" sz="1100">
                 <a:solidFill>
                   <a:schemeClr val="dk1"/>
                 </a:solidFill>
@@ -14464,9 +14532,9 @@
                 <a:cs typeface="Georgia"/>
                 <a:sym typeface="Georgia"/>
               </a:rPr>
-              <a:t>): We maintain the T5 weights and the M2M-100 embedding layer and train the T5 architecture on the 3 language pairs in all directions.</a:t>
-            </a:r>
-            <a:endParaRPr b="1">
+              <a:t>): We maintain the T5 weights and the M2M-100 embedding layer.</a:t>
+            </a:r>
+            <a:endParaRPr b="1" sz="1500">
               <a:solidFill>
                 <a:schemeClr val="dk1"/>
               </a:solidFill>
@@ -14475,6 +14543,46 @@
               <a:cs typeface="Georgia"/>
               <a:sym typeface="Georgia"/>
             </a:endParaRPr>
+          </a:p>
+        </p:txBody>
+      </p:sp>
+      <p:sp>
+        <p:nvSpPr>
+          <p:cNvPr id="115" name="Google Shape;115;p19"/>
+          <p:cNvSpPr txBox="1"/>
+          <p:nvPr>
+            <p:ph type="title"/>
+          </p:nvPr>
+        </p:nvSpPr>
+        <p:spPr>
+          <a:xfrm>
+            <a:off x="311700" y="445025"/>
+            <a:ext cx="8520600" cy="554100"/>
+          </a:xfrm>
+          <a:prstGeom prst="rect">
+            <a:avLst/>
+          </a:prstGeom>
+        </p:spPr>
+        <p:txBody>
+          <a:bodyPr anchorCtr="0" anchor="t" bIns="91425" lIns="91425" spcFirstLastPara="1" rIns="91425" wrap="square" tIns="91425">
+            <a:noAutofit/>
+          </a:bodyPr>
+          <a:lstStyle/>
+          <a:p>
+            <a:pPr indent="0" lvl="0" marL="0" rtl="0" algn="l">
+              <a:spcBef>
+                <a:spcPts val="0"/>
+              </a:spcBef>
+              <a:spcAft>
+                <a:spcPts val="0"/>
+              </a:spcAft>
+              <a:buNone/>
+            </a:pPr>
+            <a:r>
+              <a:rPr lang="en"/>
+              <a:t>Experiment Design &amp; Data</a:t>
+            </a:r>
+            <a:endParaRPr/>
           </a:p>
         </p:txBody>
       </p:sp>
@@ -14489,7 +14597,7 @@
         <p:spPr>
           <a:xfrm>
             <a:off x="4832400" y="1031200"/>
-            <a:ext cx="3999900" cy="1430400"/>
+            <a:ext cx="3999900" cy="2163300"/>
           </a:xfrm>
           <a:prstGeom prst="rect">
             <a:avLst/>
@@ -14546,7 +14654,7 @@
               <a:buNone/>
             </a:pPr>
             <a:r>
-              <a:rPr lang="en" sz="1000">
+              <a:rPr lang="en" sz="1100">
                 <a:solidFill>
                   <a:schemeClr val="dk1"/>
                 </a:solidFill>
@@ -14558,7 +14666,7 @@
               <a:t>Our data came from Flores-101 </a:t>
             </a:r>
             <a:r>
-              <a:rPr baseline="30000" lang="en" sz="1000">
+              <a:rPr baseline="30000" lang="en" sz="1100">
                 <a:solidFill>
                   <a:schemeClr val="dk1"/>
                 </a:solidFill>
@@ -14570,7 +14678,7 @@
               <a:t>4</a:t>
             </a:r>
             <a:r>
-              <a:rPr lang="en" sz="1000">
+              <a:rPr lang="en" sz="1100">
                 <a:solidFill>
                   <a:schemeClr val="dk1"/>
                 </a:solidFill>
@@ -14581,7 +14689,7 @@
               </a:rPr>
               <a:t> dataset launched by FB for WMT-21 for large-scale MMT task. </a:t>
             </a:r>
-            <a:endParaRPr sz="1000">
+            <a:endParaRPr sz="1100">
               <a:solidFill>
                 <a:schemeClr val="dk1"/>
               </a:solidFill>
@@ -14602,7 +14710,7 @@
               <a:buNone/>
             </a:pPr>
             <a:r>
-              <a:rPr lang="en" sz="1000">
+              <a:rPr lang="en" sz="1100">
                 <a:solidFill>
                   <a:schemeClr val="dk1"/>
                 </a:solidFill>
@@ -14614,7 +14722,7 @@
               <a:t>We selected </a:t>
             </a:r>
             <a:r>
-              <a:rPr b="1" lang="en" sz="1000">
+              <a:rPr b="1" lang="en" sz="1100">
                 <a:solidFill>
                   <a:schemeClr val="dk1"/>
                 </a:solidFill>
@@ -14626,7 +14734,7 @@
               <a:t>English </a:t>
             </a:r>
             <a:r>
-              <a:rPr lang="en" sz="1000">
+              <a:rPr lang="en" sz="1100">
                 <a:solidFill>
                   <a:schemeClr val="dk1"/>
                 </a:solidFill>
@@ -14638,7 +14746,7 @@
               <a:t>(en), </a:t>
             </a:r>
             <a:r>
-              <a:rPr b="1" lang="en" sz="1000">
+              <a:rPr b="1" lang="en" sz="1100">
                 <a:solidFill>
                   <a:schemeClr val="dk1"/>
                 </a:solidFill>
@@ -14650,7 +14758,7 @@
               <a:t>Estonian </a:t>
             </a:r>
             <a:r>
-              <a:rPr lang="en" sz="1000">
+              <a:rPr lang="en" sz="1100">
                 <a:solidFill>
                   <a:schemeClr val="dk1"/>
                 </a:solidFill>
@@ -14662,7 +14770,7 @@
               <a:t>(et) and </a:t>
             </a:r>
             <a:r>
-              <a:rPr b="1" lang="en" sz="1000">
+              <a:rPr b="1" lang="en" sz="1100">
                 <a:solidFill>
                   <a:schemeClr val="dk1"/>
                 </a:solidFill>
@@ -14674,7 +14782,7 @@
               <a:t>Macedonian </a:t>
             </a:r>
             <a:r>
-              <a:rPr lang="en" sz="1000">
+              <a:rPr lang="en" sz="1100">
                 <a:solidFill>
                   <a:schemeClr val="dk1"/>
                 </a:solidFill>
@@ -14685,7 +14793,7 @@
               </a:rPr>
               <a:t>(mk) as our target languages. We observe that the size of the training dataset varies significantly across language pairs. Macedonian (mk) has significantly less training data common with English &amp; Estonian making it a good reference candidate for checking model performance for low resource languages.</a:t>
             </a:r>
-            <a:endParaRPr sz="1000">
+            <a:endParaRPr sz="1100">
               <a:solidFill>
                 <a:schemeClr val="dk1"/>
               </a:solidFill>
@@ -14744,7 +14852,7 @@
           <p:nvPr/>
         </p:nvGraphicFramePr>
         <p:xfrm>
-          <a:off x="4967925" y="3248925"/>
+          <a:off x="4956575" y="3333925"/>
           <a:ext cx="3000000" cy="3000000"/>
         </p:xfrm>
         <a:graphic>
@@ -14752,7 +14860,7 @@
             <a:tbl>
               <a:tblPr>
                 <a:noFill/>
-                <a:tableStyleId>{C6D06651-DCDA-4EF4-97B0-6AD583CF6750}</a:tableStyleId>
+                <a:tableStyleId>{BC943463-FCD7-4973-91C5-C0FC6DB22A24}</a:tableStyleId>
               </a:tblPr>
               <a:tblGrid>
                 <a:gridCol w="701175"/>
@@ -15378,8 +15486,8 @@
         </p:nvSpPr>
         <p:spPr>
           <a:xfrm>
-            <a:off x="7219550" y="4518925"/>
-            <a:ext cx="1512300" cy="261600"/>
+            <a:off x="7930350" y="4324525"/>
+            <a:ext cx="1090800" cy="338700"/>
           </a:xfrm>
           <a:prstGeom prst="rect">
             <a:avLst/>
@@ -16021,7 +16129,7 @@
             <a:tbl>
               <a:tblPr>
                 <a:noFill/>
-                <a:tableStyleId>{8318493B-4684-4277-B62D-762753E1AB6F}</a:tableStyleId>
+                <a:tableStyleId>{B0D1CB18-E2DB-4387-BD8A-015373764C65}</a:tableStyleId>
               </a:tblPr>
               <a:tblGrid>
                 <a:gridCol w="1809750"/>
@@ -17358,7 +17466,7 @@
                 <a:cs typeface="Georgia"/>
                 <a:sym typeface="Georgia"/>
               </a:rPr>
-              <a:t>2. M2M-100 model shows the similar skew in performance which indicates that our skew might be inherited.</a:t>
+              <a:t>2. M2M-100 model shows similar performance which indicates that our performance might be inherited.</a:t>
             </a:r>
             <a:endParaRPr sz="1300">
               <a:solidFill>
@@ -17381,6 +17489,285 @@
 </file>
 
 <file path=ppt/theme/theme1.xml><?xml version="1.0" encoding="utf-8"?>
+<a:theme xmlns:a="http://schemas.openxmlformats.org/drawingml/2006/main" xmlns:r="http://schemas.openxmlformats.org/officeDocument/2006/relationships" name="BrandSlideShow_Heritage 16:9">
+  <a:themeElements>
+    <a:clrScheme name="Simple Light">
+      <a:dk1>
+        <a:srgbClr val="000000"/>
+      </a:dk1>
+      <a:lt1>
+        <a:srgbClr val="FFFFFF"/>
+      </a:lt1>
+      <a:dk2>
+        <a:srgbClr val="595959"/>
+      </a:dk2>
+      <a:lt2>
+        <a:srgbClr val="EEEEEE"/>
+      </a:lt2>
+      <a:accent1>
+        <a:srgbClr val="FFAB40"/>
+      </a:accent1>
+      <a:accent2>
+        <a:srgbClr val="212121"/>
+      </a:accent2>
+      <a:accent3>
+        <a:srgbClr val="78909C"/>
+      </a:accent3>
+      <a:accent4>
+        <a:srgbClr val="FFAB40"/>
+      </a:accent4>
+      <a:accent5>
+        <a:srgbClr val="0097A7"/>
+      </a:accent5>
+      <a:accent6>
+        <a:srgbClr val="EEFF41"/>
+      </a:accent6>
+      <a:hlink>
+        <a:srgbClr val="0097A7"/>
+      </a:hlink>
+      <a:folHlink>
+        <a:srgbClr val="0097A7"/>
+      </a:folHlink>
+    </a:clrScheme>
+    <a:fontScheme name="Office">
+      <a:majorFont>
+        <a:latin typeface="Arial"/>
+        <a:ea typeface=""/>
+        <a:cs typeface=""/>
+        <a:font script="Jpan" typeface="ＭＳ Ｐゴシック"/>
+        <a:font script="Hang" typeface="맑은 고딕"/>
+        <a:font script="Hans" typeface="宋体"/>
+        <a:font script="Hant" typeface="新細明體"/>
+        <a:font script="Arab" typeface="Times New Roman"/>
+        <a:font script="Hebr" typeface="Times New Roman"/>
+        <a:font script="Thai" typeface="Angsana New"/>
+        <a:font script="Ethi" typeface="Nyala"/>
+        <a:font script="Beng" typeface="Vrinda"/>
+        <a:font script="Gujr" typeface="Shruti"/>
+        <a:font script="Khmr" typeface="MoolBoran"/>
+        <a:font script="Knda" typeface="Tunga"/>
+        <a:font script="Guru" typeface="Raavi"/>
+        <a:font script="Cans" typeface="Euphemia"/>
+        <a:font script="Cher" typeface="Plantagenet Cherokee"/>
+        <a:font script="Yiii" typeface="Microsoft Yi Baiti"/>
+        <a:font script="Tibt" typeface="Microsoft Himalaya"/>
+        <a:font script="Thaa" typeface="MV Boli"/>
+        <a:font script="Deva" typeface="Mangal"/>
+        <a:font script="Telu" typeface="Gautami"/>
+        <a:font script="Taml" typeface="Latha"/>
+        <a:font script="Syrc" typeface="Estrangelo Edessa"/>
+        <a:font script="Orya" typeface="Kalinga"/>
+        <a:font script="Mlym" typeface="Kartika"/>
+        <a:font script="Laoo" typeface="DokChampa"/>
+        <a:font script="Sinh" typeface="Iskoola Pota"/>
+        <a:font script="Mong" typeface="Mongolian Baiti"/>
+        <a:font script="Viet" typeface="Times New Roman"/>
+        <a:font script="Uigh" typeface="Microsoft Uighur"/>
+        <a:font script="Geor" typeface="Sylfaen"/>
+      </a:majorFont>
+      <a:minorFont>
+        <a:latin typeface="Arial"/>
+        <a:ea typeface=""/>
+        <a:cs typeface=""/>
+        <a:font script="Jpan" typeface="ＭＳ Ｐゴシック"/>
+        <a:font script="Hang" typeface="맑은 고딕"/>
+        <a:font script="Hans" typeface="宋体"/>
+        <a:font script="Hant" typeface="新細明體"/>
+        <a:font script="Arab" typeface="Arial"/>
+        <a:font script="Hebr" typeface="Arial"/>
+        <a:font script="Thai" typeface="Cordia New"/>
+        <a:font script="Ethi" typeface="Nyala"/>
+        <a:font script="Beng" typeface="Vrinda"/>
+        <a:font script="Gujr" typeface="Shruti"/>
+        <a:font script="Khmr" typeface="DaunPenh"/>
+        <a:font script="Knda" typeface="Tunga"/>
+        <a:font script="Guru" typeface="Raavi"/>
+        <a:font script="Cans" typeface="Euphemia"/>
+        <a:font script="Cher" typeface="Plantagenet Cherokee"/>
+        <a:font script="Yiii" typeface="Microsoft Yi Baiti"/>
+        <a:font script="Tibt" typeface="Microsoft Himalaya"/>
+        <a:font script="Thaa" typeface="MV Boli"/>
+        <a:font script="Deva" typeface="Mangal"/>
+        <a:font script="Telu" typeface="Gautami"/>
+        <a:font script="Taml" typeface="Latha"/>
+        <a:font script="Syrc" typeface="Estrangelo Edessa"/>
+        <a:font script="Orya" typeface="Kalinga"/>
+        <a:font script="Mlym" typeface="Kartika"/>
+        <a:font script="Laoo" typeface="DokChampa"/>
+        <a:font script="Sinh" typeface="Iskoola Pota"/>
+        <a:font script="Mong" typeface="Mongolian Baiti"/>
+        <a:font script="Viet" typeface="Arial"/>
+        <a:font script="Uigh" typeface="Microsoft Uighur"/>
+        <a:font script="Geor" typeface="Sylfaen"/>
+      </a:minorFont>
+    </a:fontScheme>
+    <a:fmtScheme name="Office">
+      <a:fillStyleLst>
+        <a:solidFill>
+          <a:schemeClr val="phClr"/>
+        </a:solidFill>
+        <a:gradFill rotWithShape="1">
+          <a:gsLst>
+            <a:gs pos="0">
+              <a:schemeClr val="phClr">
+                <a:tint val="50000"/>
+                <a:satMod val="300000"/>
+              </a:schemeClr>
+            </a:gs>
+            <a:gs pos="35000">
+              <a:schemeClr val="phClr">
+                <a:tint val="37000"/>
+                <a:satMod val="300000"/>
+              </a:schemeClr>
+            </a:gs>
+            <a:gs pos="100000">
+              <a:schemeClr val="phClr">
+                <a:tint val="15000"/>
+                <a:satMod val="350000"/>
+              </a:schemeClr>
+            </a:gs>
+          </a:gsLst>
+          <a:lin ang="16200000" scaled="1"/>
+        </a:gradFill>
+        <a:gradFill rotWithShape="1">
+          <a:gsLst>
+            <a:gs pos="0">
+              <a:schemeClr val="phClr">
+                <a:tint val="100000"/>
+                <a:shade val="100000"/>
+                <a:satMod val="130000"/>
+              </a:schemeClr>
+            </a:gs>
+            <a:gs pos="100000">
+              <a:schemeClr val="phClr">
+                <a:tint val="50000"/>
+                <a:shade val="100000"/>
+                <a:satMod val="350000"/>
+              </a:schemeClr>
+            </a:gs>
+          </a:gsLst>
+          <a:lin ang="16200000" scaled="0"/>
+        </a:gradFill>
+      </a:fillStyleLst>
+      <a:lnStyleLst>
+        <a:ln w="9525" cap="flat" cmpd="sng" algn="ctr">
+          <a:solidFill>
+            <a:schemeClr val="phClr">
+              <a:shade val="95000"/>
+              <a:satMod val="105000"/>
+            </a:schemeClr>
+          </a:solidFill>
+          <a:prstDash val="solid"/>
+        </a:ln>
+        <a:ln w="25400" cap="flat" cmpd="sng" algn="ctr">
+          <a:solidFill>
+            <a:schemeClr val="phClr"/>
+          </a:solidFill>
+          <a:prstDash val="solid"/>
+        </a:ln>
+        <a:ln w="38100" cap="flat" cmpd="sng" algn="ctr">
+          <a:solidFill>
+            <a:schemeClr val="phClr"/>
+          </a:solidFill>
+          <a:prstDash val="solid"/>
+        </a:ln>
+      </a:lnStyleLst>
+      <a:effectStyleLst>
+        <a:effectStyle>
+          <a:effectLst>
+            <a:outerShdw blurRad="40000" dist="20000" dir="5400000" rotWithShape="0">
+              <a:srgbClr val="000000">
+                <a:alpha val="38000"/>
+              </a:srgbClr>
+            </a:outerShdw>
+          </a:effectLst>
+        </a:effectStyle>
+        <a:effectStyle>
+          <a:effectLst>
+            <a:outerShdw blurRad="40000" dist="23000" dir="5400000" rotWithShape="0">
+              <a:srgbClr val="000000">
+                <a:alpha val="35000"/>
+              </a:srgbClr>
+            </a:outerShdw>
+          </a:effectLst>
+        </a:effectStyle>
+        <a:effectStyle>
+          <a:effectLst>
+            <a:outerShdw blurRad="40000" dist="23000" dir="5400000" rotWithShape="0">
+              <a:srgbClr val="000000">
+                <a:alpha val="35000"/>
+              </a:srgbClr>
+            </a:outerShdw>
+          </a:effectLst>
+          <a:scene3d>
+            <a:camera prst="orthographicFront">
+              <a:rot lat="0" lon="0" rev="0"/>
+            </a:camera>
+            <a:lightRig rig="threePt" dir="t">
+              <a:rot lat="0" lon="0" rev="1200000"/>
+            </a:lightRig>
+          </a:scene3d>
+          <a:sp3d>
+            <a:bevelT w="63500" h="25400"/>
+          </a:sp3d>
+        </a:effectStyle>
+      </a:effectStyleLst>
+      <a:bgFillStyleLst>
+        <a:solidFill>
+          <a:schemeClr val="phClr"/>
+        </a:solidFill>
+        <a:gradFill rotWithShape="1">
+          <a:gsLst>
+            <a:gs pos="0">
+              <a:schemeClr val="phClr">
+                <a:tint val="40000"/>
+                <a:satMod val="350000"/>
+              </a:schemeClr>
+            </a:gs>
+            <a:gs pos="40000">
+              <a:schemeClr val="phClr">
+                <a:tint val="45000"/>
+                <a:shade val="99000"/>
+                <a:satMod val="350000"/>
+              </a:schemeClr>
+            </a:gs>
+            <a:gs pos="100000">
+              <a:schemeClr val="phClr">
+                <a:shade val="20000"/>
+                <a:satMod val="255000"/>
+              </a:schemeClr>
+            </a:gs>
+          </a:gsLst>
+          <a:path path="circle">
+            <a:fillToRect l="50000" t="-80000" r="50000" b="180000"/>
+          </a:path>
+        </a:gradFill>
+        <a:gradFill rotWithShape="1">
+          <a:gsLst>
+            <a:gs pos="0">
+              <a:schemeClr val="phClr">
+                <a:tint val="80000"/>
+                <a:satMod val="300000"/>
+              </a:schemeClr>
+            </a:gs>
+            <a:gs pos="100000">
+              <a:schemeClr val="phClr">
+                <a:shade val="30000"/>
+                <a:satMod val="200000"/>
+              </a:schemeClr>
+            </a:gs>
+          </a:gsLst>
+          <a:path path="circle">
+            <a:fillToRect l="50000" t="50000" r="50000" b="50000"/>
+          </a:path>
+        </a:gradFill>
+      </a:bgFillStyleLst>
+    </a:fmtScheme>
+  </a:themeElements>
+</a:theme>
+</file>
+
+<file path=ppt/theme/theme2.xml><?xml version="1.0" encoding="utf-8"?>
 <a:theme xmlns:a="http://schemas.openxmlformats.org/drawingml/2006/main" xmlns:r="http://schemas.openxmlformats.org/officeDocument/2006/relationships">
   <a:themeElements>
     <a:clrScheme name="Default">
@@ -17657,283 +18044,4 @@
     </a:fmtScheme>
   </a:themeElements>
 </a:theme>
-</file>
-
-<file path=ppt/theme/theme2.xml><?xml version="1.0" encoding="utf-8"?>
-<a:theme xmlns:a="http://schemas.openxmlformats.org/drawingml/2006/main" xmlns:r="http://schemas.openxmlformats.org/officeDocument/2006/relationships" name="BrandSlideShow_Heritage 16:9">
-  <a:themeElements>
-    <a:clrScheme name="Simple Light">
-      <a:dk1>
-        <a:srgbClr val="000000"/>
-      </a:dk1>
-      <a:lt1>
-        <a:srgbClr val="FFFFFF"/>
-      </a:lt1>
-      <a:dk2>
-        <a:srgbClr val="595959"/>
-      </a:dk2>
-      <a:lt2>
-        <a:srgbClr val="EEEEEE"/>
-      </a:lt2>
-      <a:accent1>
-        <a:srgbClr val="FFAB40"/>
-      </a:accent1>
-      <a:accent2>
-        <a:srgbClr val="212121"/>
-      </a:accent2>
-      <a:accent3>
-        <a:srgbClr val="78909C"/>
-      </a:accent3>
-      <a:accent4>
-        <a:srgbClr val="FFAB40"/>
-      </a:accent4>
-      <a:accent5>
-        <a:srgbClr val="0097A7"/>
-      </a:accent5>
-      <a:accent6>
-        <a:srgbClr val="EEFF41"/>
-      </a:accent6>
-      <a:hlink>
-        <a:srgbClr val="0097A7"/>
-      </a:hlink>
-      <a:folHlink>
-        <a:srgbClr val="0097A7"/>
-      </a:folHlink>
-    </a:clrScheme>
-    <a:fontScheme name="Office">
-      <a:majorFont>
-        <a:latin typeface="Arial"/>
-        <a:ea typeface=""/>
-        <a:cs typeface=""/>
-        <a:font script="Jpan" typeface="ＭＳ Ｐゴシック"/>
-        <a:font script="Hang" typeface="맑은 고딕"/>
-        <a:font script="Hans" typeface="宋体"/>
-        <a:font script="Hant" typeface="新細明體"/>
-        <a:font script="Arab" typeface="Times New Roman"/>
-        <a:font script="Hebr" typeface="Times New Roman"/>
-        <a:font script="Thai" typeface="Angsana New"/>
-        <a:font script="Ethi" typeface="Nyala"/>
-        <a:font script="Beng" typeface="Vrinda"/>
-        <a:font script="Gujr" typeface="Shruti"/>
-        <a:font script="Khmr" typeface="MoolBoran"/>
-        <a:font script="Knda" typeface="Tunga"/>
-        <a:font script="Guru" typeface="Raavi"/>
-        <a:font script="Cans" typeface="Euphemia"/>
-        <a:font script="Cher" typeface="Plantagenet Cherokee"/>
-        <a:font script="Yiii" typeface="Microsoft Yi Baiti"/>
-        <a:font script="Tibt" typeface="Microsoft Himalaya"/>
-        <a:font script="Thaa" typeface="MV Boli"/>
-        <a:font script="Deva" typeface="Mangal"/>
-        <a:font script="Telu" typeface="Gautami"/>
-        <a:font script="Taml" typeface="Latha"/>
-        <a:font script="Syrc" typeface="Estrangelo Edessa"/>
-        <a:font script="Orya" typeface="Kalinga"/>
-        <a:font script="Mlym" typeface="Kartika"/>
-        <a:font script="Laoo" typeface="DokChampa"/>
-        <a:font script="Sinh" typeface="Iskoola Pota"/>
-        <a:font script="Mong" typeface="Mongolian Baiti"/>
-        <a:font script="Viet" typeface="Times New Roman"/>
-        <a:font script="Uigh" typeface="Microsoft Uighur"/>
-        <a:font script="Geor" typeface="Sylfaen"/>
-      </a:majorFont>
-      <a:minorFont>
-        <a:latin typeface="Arial"/>
-        <a:ea typeface=""/>
-        <a:cs typeface=""/>
-        <a:font script="Jpan" typeface="ＭＳ Ｐゴシック"/>
-        <a:font script="Hang" typeface="맑은 고딕"/>
-        <a:font script="Hans" typeface="宋体"/>
-        <a:font script="Hant" typeface="新細明體"/>
-        <a:font script="Arab" typeface="Arial"/>
-        <a:font script="Hebr" typeface="Arial"/>
-        <a:font script="Thai" typeface="Cordia New"/>
-        <a:font script="Ethi" typeface="Nyala"/>
-        <a:font script="Beng" typeface="Vrinda"/>
-        <a:font script="Gujr" typeface="Shruti"/>
-        <a:font script="Khmr" typeface="DaunPenh"/>
-        <a:font script="Knda" typeface="Tunga"/>
-        <a:font script="Guru" typeface="Raavi"/>
-        <a:font script="Cans" typeface="Euphemia"/>
-        <a:font script="Cher" typeface="Plantagenet Cherokee"/>
-        <a:font script="Yiii" typeface="Microsoft Yi Baiti"/>
-        <a:font script="Tibt" typeface="Microsoft Himalaya"/>
-        <a:font script="Thaa" typeface="MV Boli"/>
-        <a:font script="Deva" typeface="Mangal"/>
-        <a:font script="Telu" typeface="Gautami"/>
-        <a:font script="Taml" typeface="Latha"/>
-        <a:font script="Syrc" typeface="Estrangelo Edessa"/>
-        <a:font script="Orya" typeface="Kalinga"/>
-        <a:font script="Mlym" typeface="Kartika"/>
-        <a:font script="Laoo" typeface="DokChampa"/>
-        <a:font script="Sinh" typeface="Iskoola Pota"/>
-        <a:font script="Mong" typeface="Mongolian Baiti"/>
-        <a:font script="Viet" typeface="Arial"/>
-        <a:font script="Uigh" typeface="Microsoft Uighur"/>
-        <a:font script="Geor" typeface="Sylfaen"/>
-      </a:minorFont>
-    </a:fontScheme>
-    <a:fmtScheme name="Office">
-      <a:fillStyleLst>
-        <a:solidFill>
-          <a:schemeClr val="phClr"/>
-        </a:solidFill>
-        <a:gradFill rotWithShape="1">
-          <a:gsLst>
-            <a:gs pos="0">
-              <a:schemeClr val="phClr">
-                <a:tint val="50000"/>
-                <a:satMod val="300000"/>
-              </a:schemeClr>
-            </a:gs>
-            <a:gs pos="35000">
-              <a:schemeClr val="phClr">
-                <a:tint val="37000"/>
-                <a:satMod val="300000"/>
-              </a:schemeClr>
-            </a:gs>
-            <a:gs pos="100000">
-              <a:schemeClr val="phClr">
-                <a:tint val="15000"/>
-                <a:satMod val="350000"/>
-              </a:schemeClr>
-            </a:gs>
-          </a:gsLst>
-          <a:lin ang="16200000" scaled="1"/>
-        </a:gradFill>
-        <a:gradFill rotWithShape="1">
-          <a:gsLst>
-            <a:gs pos="0">
-              <a:schemeClr val="phClr">
-                <a:tint val="100000"/>
-                <a:shade val="100000"/>
-                <a:satMod val="130000"/>
-              </a:schemeClr>
-            </a:gs>
-            <a:gs pos="100000">
-              <a:schemeClr val="phClr">
-                <a:tint val="50000"/>
-                <a:shade val="100000"/>
-                <a:satMod val="350000"/>
-              </a:schemeClr>
-            </a:gs>
-          </a:gsLst>
-          <a:lin ang="16200000" scaled="0"/>
-        </a:gradFill>
-      </a:fillStyleLst>
-      <a:lnStyleLst>
-        <a:ln w="9525" cap="flat" cmpd="sng" algn="ctr">
-          <a:solidFill>
-            <a:schemeClr val="phClr">
-              <a:shade val="95000"/>
-              <a:satMod val="105000"/>
-            </a:schemeClr>
-          </a:solidFill>
-          <a:prstDash val="solid"/>
-        </a:ln>
-        <a:ln w="25400" cap="flat" cmpd="sng" algn="ctr">
-          <a:solidFill>
-            <a:schemeClr val="phClr"/>
-          </a:solidFill>
-          <a:prstDash val="solid"/>
-        </a:ln>
-        <a:ln w="38100" cap="flat" cmpd="sng" algn="ctr">
-          <a:solidFill>
-            <a:schemeClr val="phClr"/>
-          </a:solidFill>
-          <a:prstDash val="solid"/>
-        </a:ln>
-      </a:lnStyleLst>
-      <a:effectStyleLst>
-        <a:effectStyle>
-          <a:effectLst>
-            <a:outerShdw blurRad="40000" dist="20000" dir="5400000" rotWithShape="0">
-              <a:srgbClr val="000000">
-                <a:alpha val="38000"/>
-              </a:srgbClr>
-            </a:outerShdw>
-          </a:effectLst>
-        </a:effectStyle>
-        <a:effectStyle>
-          <a:effectLst>
-            <a:outerShdw blurRad="40000" dist="23000" dir="5400000" rotWithShape="0">
-              <a:srgbClr val="000000">
-                <a:alpha val="35000"/>
-              </a:srgbClr>
-            </a:outerShdw>
-          </a:effectLst>
-        </a:effectStyle>
-        <a:effectStyle>
-          <a:effectLst>
-            <a:outerShdw blurRad="40000" dist="23000" dir="5400000" rotWithShape="0">
-              <a:srgbClr val="000000">
-                <a:alpha val="35000"/>
-              </a:srgbClr>
-            </a:outerShdw>
-          </a:effectLst>
-          <a:scene3d>
-            <a:camera prst="orthographicFront">
-              <a:rot lat="0" lon="0" rev="0"/>
-            </a:camera>
-            <a:lightRig rig="threePt" dir="t">
-              <a:rot lat="0" lon="0" rev="1200000"/>
-            </a:lightRig>
-          </a:scene3d>
-          <a:sp3d>
-            <a:bevelT w="63500" h="25400"/>
-          </a:sp3d>
-        </a:effectStyle>
-      </a:effectStyleLst>
-      <a:bgFillStyleLst>
-        <a:solidFill>
-          <a:schemeClr val="phClr"/>
-        </a:solidFill>
-        <a:gradFill rotWithShape="1">
-          <a:gsLst>
-            <a:gs pos="0">
-              <a:schemeClr val="phClr">
-                <a:tint val="40000"/>
-                <a:satMod val="350000"/>
-              </a:schemeClr>
-            </a:gs>
-            <a:gs pos="40000">
-              <a:schemeClr val="phClr">
-                <a:tint val="45000"/>
-                <a:shade val="99000"/>
-                <a:satMod val="350000"/>
-              </a:schemeClr>
-            </a:gs>
-            <a:gs pos="100000">
-              <a:schemeClr val="phClr">
-                <a:shade val="20000"/>
-                <a:satMod val="255000"/>
-              </a:schemeClr>
-            </a:gs>
-          </a:gsLst>
-          <a:path path="circle">
-            <a:fillToRect l="50000" t="-80000" r="50000" b="180000"/>
-          </a:path>
-        </a:gradFill>
-        <a:gradFill rotWithShape="1">
-          <a:gsLst>
-            <a:gs pos="0">
-              <a:schemeClr val="phClr">
-                <a:tint val="80000"/>
-                <a:satMod val="300000"/>
-              </a:schemeClr>
-            </a:gs>
-            <a:gs pos="100000">
-              <a:schemeClr val="phClr">
-                <a:shade val="30000"/>
-                <a:satMod val="200000"/>
-              </a:schemeClr>
-            </a:gs>
-          </a:gsLst>
-          <a:path path="circle">
-            <a:fillToRect l="50000" t="50000" r="50000" b="50000"/>
-          </a:path>
-        </a:gradFill>
-      </a:bgFillStyleLst>
-    </a:fmtScheme>
-  </a:themeElements>
-</a:theme>
 </file>